--- a/soldier core.pptx
+++ b/soldier core.pptx
@@ -6,9 +6,10 @@
   </p:sldMasterIdLst>
   <p:sldIdLst>
     <p:sldId id="257" r:id="rId2"/>
-    <p:sldId id="256" r:id="rId3"/>
-    <p:sldId id="258" r:id="rId4"/>
-    <p:sldId id="259" r:id="rId5"/>
+    <p:sldId id="260" r:id="rId3"/>
+    <p:sldId id="256" r:id="rId4"/>
+    <p:sldId id="258" r:id="rId5"/>
+    <p:sldId id="259" r:id="rId6"/>
   </p:sldIdLst>
   <p:sldSz cx="12192000" cy="6858000"/>
   <p:notesSz cx="6858000" cy="9144000"/>
@@ -246,7 +247,7 @@
           <a:p>
             <a:fld id="{0E085FA6-3BB9-47BA-8D81-299A75D1B58A}" type="datetimeFigureOut">
               <a:rPr kumimoji="1" lang="ja-JP" altLang="en-US" smtClean="0"/>
-              <a:t>2025/3/13</a:t>
+              <a:t>2025/3/14</a:t>
             </a:fld>
             <a:endParaRPr kumimoji="1" lang="ja-JP" altLang="en-US"/>
           </a:p>
@@ -448,7 +449,7 @@
           <a:p>
             <a:fld id="{0E085FA6-3BB9-47BA-8D81-299A75D1B58A}" type="datetimeFigureOut">
               <a:rPr kumimoji="1" lang="ja-JP" altLang="en-US" smtClean="0"/>
-              <a:t>2025/3/13</a:t>
+              <a:t>2025/3/14</a:t>
             </a:fld>
             <a:endParaRPr kumimoji="1" lang="ja-JP" altLang="en-US"/>
           </a:p>
@@ -660,7 +661,7 @@
           <a:p>
             <a:fld id="{0E085FA6-3BB9-47BA-8D81-299A75D1B58A}" type="datetimeFigureOut">
               <a:rPr kumimoji="1" lang="ja-JP" altLang="en-US" smtClean="0"/>
-              <a:t>2025/3/13</a:t>
+              <a:t>2025/3/14</a:t>
             </a:fld>
             <a:endParaRPr kumimoji="1" lang="ja-JP" altLang="en-US"/>
           </a:p>
@@ -862,7 +863,7 @@
           <a:p>
             <a:fld id="{0E085FA6-3BB9-47BA-8D81-299A75D1B58A}" type="datetimeFigureOut">
               <a:rPr kumimoji="1" lang="ja-JP" altLang="en-US" smtClean="0"/>
-              <a:t>2025/3/13</a:t>
+              <a:t>2025/3/14</a:t>
             </a:fld>
             <a:endParaRPr kumimoji="1" lang="ja-JP" altLang="en-US"/>
           </a:p>
@@ -1108,7 +1109,7 @@
           <a:p>
             <a:fld id="{0E085FA6-3BB9-47BA-8D81-299A75D1B58A}" type="datetimeFigureOut">
               <a:rPr kumimoji="1" lang="ja-JP" altLang="en-US" smtClean="0"/>
-              <a:t>2025/3/13</a:t>
+              <a:t>2025/3/14</a:t>
             </a:fld>
             <a:endParaRPr kumimoji="1" lang="ja-JP" altLang="en-US"/>
           </a:p>
@@ -1404,7 +1405,7 @@
           <a:p>
             <a:fld id="{0E085FA6-3BB9-47BA-8D81-299A75D1B58A}" type="datetimeFigureOut">
               <a:rPr kumimoji="1" lang="ja-JP" altLang="en-US" smtClean="0"/>
-              <a:t>2025/3/13</a:t>
+              <a:t>2025/3/14</a:t>
             </a:fld>
             <a:endParaRPr kumimoji="1" lang="ja-JP" altLang="en-US"/>
           </a:p>
@@ -1835,7 +1836,7 @@
           <a:p>
             <a:fld id="{0E085FA6-3BB9-47BA-8D81-299A75D1B58A}" type="datetimeFigureOut">
               <a:rPr kumimoji="1" lang="ja-JP" altLang="en-US" smtClean="0"/>
-              <a:t>2025/3/13</a:t>
+              <a:t>2025/3/14</a:t>
             </a:fld>
             <a:endParaRPr kumimoji="1" lang="ja-JP" altLang="en-US"/>
           </a:p>
@@ -1953,7 +1954,7 @@
           <a:p>
             <a:fld id="{0E085FA6-3BB9-47BA-8D81-299A75D1B58A}" type="datetimeFigureOut">
               <a:rPr kumimoji="1" lang="ja-JP" altLang="en-US" smtClean="0"/>
-              <a:t>2025/3/13</a:t>
+              <a:t>2025/3/14</a:t>
             </a:fld>
             <a:endParaRPr kumimoji="1" lang="ja-JP" altLang="en-US"/>
           </a:p>
@@ -2048,7 +2049,7 @@
           <a:p>
             <a:fld id="{0E085FA6-3BB9-47BA-8D81-299A75D1B58A}" type="datetimeFigureOut">
               <a:rPr kumimoji="1" lang="ja-JP" altLang="en-US" smtClean="0"/>
-              <a:t>2025/3/13</a:t>
+              <a:t>2025/3/14</a:t>
             </a:fld>
             <a:endParaRPr kumimoji="1" lang="ja-JP" altLang="en-US"/>
           </a:p>
@@ -2357,7 +2358,7 @@
           <a:p>
             <a:fld id="{0E085FA6-3BB9-47BA-8D81-299A75D1B58A}" type="datetimeFigureOut">
               <a:rPr kumimoji="1" lang="ja-JP" altLang="en-US" smtClean="0"/>
-              <a:t>2025/3/13</a:t>
+              <a:t>2025/3/14</a:t>
             </a:fld>
             <a:endParaRPr kumimoji="1" lang="ja-JP" altLang="en-US"/>
           </a:p>
@@ -2610,7 +2611,7 @@
           <a:p>
             <a:fld id="{0E085FA6-3BB9-47BA-8D81-299A75D1B58A}" type="datetimeFigureOut">
               <a:rPr kumimoji="1" lang="ja-JP" altLang="en-US" smtClean="0"/>
-              <a:t>2025/3/13</a:t>
+              <a:t>2025/3/14</a:t>
             </a:fld>
             <a:endParaRPr kumimoji="1" lang="ja-JP" altLang="en-US"/>
           </a:p>
@@ -2855,7 +2856,7 @@
           <a:p>
             <a:fld id="{0E085FA6-3BB9-47BA-8D81-299A75D1B58A}" type="datetimeFigureOut">
               <a:rPr kumimoji="1" lang="ja-JP" altLang="en-US" smtClean="0"/>
-              <a:t>2025/3/13</a:t>
+              <a:t>2025/3/14</a:t>
             </a:fld>
             <a:endParaRPr kumimoji="1" lang="ja-JP" altLang="en-US"/>
           </a:p>
@@ -4156,33 +4157,26 @@
       </p:grpSpPr>
       <p:sp>
         <p:nvSpPr>
-          <p:cNvPr id="4" name="円/楕円 3"/>
+          <p:cNvPr id="28" name="正方形/長方形 27"/>
           <p:cNvSpPr/>
           <p:nvPr/>
         </p:nvSpPr>
         <p:spPr>
           <a:xfrm>
-            <a:off x="1298977" y="1161246"/>
-            <a:ext cx="4134118" cy="4134118"/>
-          </a:xfrm>
-          <a:prstGeom prst="ellipse">
-            <a:avLst/>
-          </a:prstGeom>
+            <a:off x="3033159" y="3258706"/>
+            <a:ext cx="1069260" cy="1069260"/>
+          </a:xfrm>
+          <a:prstGeom prst="rect">
+            <a:avLst/>
+          </a:prstGeom>
+          <a:solidFill>
+            <a:schemeClr val="bg1"/>
+          </a:solidFill>
           <a:ln>
-            <a:noFill/>
+            <a:solidFill>
+              <a:schemeClr val="tx1"/>
+            </a:solidFill>
           </a:ln>
-          <a:effectLst/>
-          <a:scene3d>
-            <a:camera prst="orthographicFront">
-              <a:rot lat="0" lon="0" rev="0"/>
-            </a:camera>
-            <a:lightRig rig="contrasting" dir="t">
-              <a:rot lat="0" lon="0" rev="7800000"/>
-            </a:lightRig>
-          </a:scene3d>
-          <a:sp3d>
-            <a:bevelT w="139700" h="139700"/>
-          </a:sp3d>
         </p:spPr>
         <p:style>
           <a:lnRef idx="2">
@@ -4211,26 +4205,25 @@
       </p:sp>
       <p:sp>
         <p:nvSpPr>
-          <p:cNvPr id="5" name="円/楕円 4"/>
+          <p:cNvPr id="29" name="正方形/長方形 28"/>
           <p:cNvSpPr/>
           <p:nvPr/>
         </p:nvSpPr>
         <p:spPr>
           <a:xfrm>
-            <a:off x="2715653" y="2273121"/>
-            <a:ext cx="697201" cy="965916"/>
-          </a:xfrm>
-          <a:prstGeom prst="ellipse">
-            <a:avLst/>
-          </a:prstGeom>
-          <a:solidFill>
-            <a:schemeClr val="accent5">
-              <a:lumMod val="20000"/>
-              <a:lumOff val="80000"/>
-            </a:schemeClr>
+            <a:off x="5194330" y="3258706"/>
+            <a:ext cx="1069260" cy="1069260"/>
+          </a:xfrm>
+          <a:prstGeom prst="rect">
+            <a:avLst/>
+          </a:prstGeom>
+          <a:solidFill>
+            <a:schemeClr val="bg1"/>
           </a:solidFill>
           <a:ln>
-            <a:noFill/>
+            <a:solidFill>
+              <a:schemeClr val="tx1"/>
+            </a:solidFill>
           </a:ln>
         </p:spPr>
         <p:style>
@@ -4260,25 +4253,25 @@
       </p:sp>
       <p:sp>
         <p:nvSpPr>
-          <p:cNvPr id="6" name="円/楕円 5"/>
+          <p:cNvPr id="30" name="正方形/長方形 29"/>
           <p:cNvSpPr/>
           <p:nvPr/>
         </p:nvSpPr>
         <p:spPr>
           <a:xfrm>
-            <a:off x="2743556" y="2605716"/>
-            <a:ext cx="389753" cy="539972"/>
-          </a:xfrm>
-          <a:prstGeom prst="ellipse">
-            <a:avLst/>
-          </a:prstGeom>
-          <a:solidFill>
-            <a:schemeClr val="accent5">
-              <a:lumMod val="50000"/>
-            </a:schemeClr>
+            <a:off x="7355502" y="3258706"/>
+            <a:ext cx="1069260" cy="1069260"/>
+          </a:xfrm>
+          <a:prstGeom prst="rect">
+            <a:avLst/>
+          </a:prstGeom>
+          <a:solidFill>
+            <a:schemeClr val="bg1"/>
           </a:solidFill>
           <a:ln>
-            <a:noFill/>
+            <a:solidFill>
+              <a:schemeClr val="tx1"/>
+            </a:solidFill>
           </a:ln>
         </p:spPr>
         <p:style>
@@ -4308,26 +4301,25 @@
       </p:sp>
       <p:sp>
         <p:nvSpPr>
-          <p:cNvPr id="9" name="円/楕円 8"/>
+          <p:cNvPr id="31" name="正方形/長方形 30"/>
           <p:cNvSpPr/>
           <p:nvPr/>
         </p:nvSpPr>
         <p:spPr>
           <a:xfrm>
-            <a:off x="1739000" y="1790163"/>
-            <a:ext cx="697201" cy="965916"/>
-          </a:xfrm>
-          <a:prstGeom prst="ellipse">
-            <a:avLst/>
-          </a:prstGeom>
-          <a:solidFill>
-            <a:schemeClr val="accent5">
-              <a:lumMod val="20000"/>
-              <a:lumOff val="80000"/>
-            </a:schemeClr>
+            <a:off x="871988" y="3258706"/>
+            <a:ext cx="1069260" cy="1069260"/>
+          </a:xfrm>
+          <a:prstGeom prst="rect">
+            <a:avLst/>
+          </a:prstGeom>
+          <a:solidFill>
+            <a:schemeClr val="bg1"/>
           </a:solidFill>
           <a:ln>
-            <a:noFill/>
+            <a:solidFill>
+              <a:schemeClr val="tx1"/>
+            </a:solidFill>
           </a:ln>
         </p:spPr>
         <p:style>
@@ -4357,25 +4349,25 @@
       </p:sp>
       <p:sp>
         <p:nvSpPr>
-          <p:cNvPr id="10" name="円/楕円 9"/>
+          <p:cNvPr id="32" name="正方形/長方形 31"/>
           <p:cNvSpPr/>
           <p:nvPr/>
         </p:nvSpPr>
         <p:spPr>
           <a:xfrm>
-            <a:off x="1766903" y="2122758"/>
-            <a:ext cx="389753" cy="539972"/>
-          </a:xfrm>
-          <a:prstGeom prst="ellipse">
-            <a:avLst/>
-          </a:prstGeom>
-          <a:solidFill>
-            <a:schemeClr val="accent5">
-              <a:lumMod val="50000"/>
-            </a:schemeClr>
+            <a:off x="9516674" y="3258706"/>
+            <a:ext cx="1069260" cy="1069260"/>
+          </a:xfrm>
+          <a:prstGeom prst="rect">
+            <a:avLst/>
+          </a:prstGeom>
+          <a:solidFill>
+            <a:schemeClr val="bg1"/>
           </a:solidFill>
           <a:ln>
-            <a:noFill/>
+            <a:solidFill>
+              <a:schemeClr val="tx1"/>
+            </a:solidFill>
           </a:ln>
         </p:spPr>
         <p:style>
@@ -4405,36 +4397,26 @@
       </p:sp>
       <p:sp>
         <p:nvSpPr>
-          <p:cNvPr id="11" name="円/楕円 10"/>
+          <p:cNvPr id="23" name="正方形/長方形 22"/>
           <p:cNvSpPr/>
           <p:nvPr/>
         </p:nvSpPr>
         <p:spPr>
           <a:xfrm>
-            <a:off x="6620277" y="1161246"/>
-            <a:ext cx="4134118" cy="4134118"/>
-          </a:xfrm>
-          <a:prstGeom prst="ellipse">
-            <a:avLst/>
-          </a:prstGeom>
-          <a:solidFill>
-            <a:srgbClr val="FF8989"/>
+            <a:off x="3033159" y="1122960"/>
+            <a:ext cx="1069260" cy="1069260"/>
+          </a:xfrm>
+          <a:prstGeom prst="rect">
+            <a:avLst/>
+          </a:prstGeom>
+          <a:solidFill>
+            <a:schemeClr val="bg1"/>
           </a:solidFill>
           <a:ln>
-            <a:noFill/>
+            <a:solidFill>
+              <a:schemeClr val="tx1"/>
+            </a:solidFill>
           </a:ln>
-          <a:effectLst/>
-          <a:scene3d>
-            <a:camera prst="orthographicFront">
-              <a:rot lat="0" lon="0" rev="0"/>
-            </a:camera>
-            <a:lightRig rig="contrasting" dir="t">
-              <a:rot lat="0" lon="0" rev="7800000"/>
-            </a:lightRig>
-          </a:scene3d>
-          <a:sp3d>
-            <a:bevelT w="139700" h="139700"/>
-          </a:sp3d>
         </p:spPr>
         <p:style>
           <a:lnRef idx="2">
@@ -4463,26 +4445,25 @@
       </p:sp>
       <p:sp>
         <p:nvSpPr>
-          <p:cNvPr id="12" name="円/楕円 11"/>
+          <p:cNvPr id="24" name="正方形/長方形 23"/>
           <p:cNvSpPr/>
           <p:nvPr/>
         </p:nvSpPr>
         <p:spPr>
           <a:xfrm>
-            <a:off x="8036953" y="2273121"/>
-            <a:ext cx="697201" cy="965916"/>
-          </a:xfrm>
-          <a:prstGeom prst="ellipse">
-            <a:avLst/>
-          </a:prstGeom>
-          <a:solidFill>
-            <a:schemeClr val="accent5">
-              <a:lumMod val="20000"/>
-              <a:lumOff val="80000"/>
-            </a:schemeClr>
+            <a:off x="5194330" y="1122960"/>
+            <a:ext cx="1069260" cy="1069260"/>
+          </a:xfrm>
+          <a:prstGeom prst="rect">
+            <a:avLst/>
+          </a:prstGeom>
+          <a:solidFill>
+            <a:schemeClr val="bg1"/>
           </a:solidFill>
           <a:ln>
-            <a:noFill/>
+            <a:solidFill>
+              <a:schemeClr val="tx1"/>
+            </a:solidFill>
           </a:ln>
         </p:spPr>
         <p:style>
@@ -4512,25 +4493,25 @@
       </p:sp>
       <p:sp>
         <p:nvSpPr>
-          <p:cNvPr id="13" name="円/楕円 12"/>
+          <p:cNvPr id="25" name="正方形/長方形 24"/>
           <p:cNvSpPr/>
           <p:nvPr/>
         </p:nvSpPr>
         <p:spPr>
           <a:xfrm>
-            <a:off x="8064856" y="2605716"/>
-            <a:ext cx="389753" cy="539972"/>
-          </a:xfrm>
-          <a:prstGeom prst="ellipse">
-            <a:avLst/>
-          </a:prstGeom>
-          <a:solidFill>
-            <a:schemeClr val="accent5">
-              <a:lumMod val="50000"/>
-            </a:schemeClr>
+            <a:off x="7355502" y="1122960"/>
+            <a:ext cx="1069260" cy="1069260"/>
+          </a:xfrm>
+          <a:prstGeom prst="rect">
+            <a:avLst/>
+          </a:prstGeom>
+          <a:solidFill>
+            <a:schemeClr val="bg1"/>
           </a:solidFill>
           <a:ln>
-            <a:noFill/>
+            <a:solidFill>
+              <a:schemeClr val="tx1"/>
+            </a:solidFill>
           </a:ln>
         </p:spPr>
         <p:style>
@@ -4560,26 +4541,25 @@
       </p:sp>
       <p:sp>
         <p:nvSpPr>
-          <p:cNvPr id="14" name="円/楕円 13"/>
+          <p:cNvPr id="26" name="正方形/長方形 25"/>
           <p:cNvSpPr/>
           <p:nvPr/>
         </p:nvSpPr>
         <p:spPr>
           <a:xfrm>
-            <a:off x="7060300" y="1790163"/>
-            <a:ext cx="697201" cy="965916"/>
-          </a:xfrm>
-          <a:prstGeom prst="ellipse">
-            <a:avLst/>
-          </a:prstGeom>
-          <a:solidFill>
-            <a:schemeClr val="accent5">
-              <a:lumMod val="20000"/>
-              <a:lumOff val="80000"/>
-            </a:schemeClr>
+            <a:off x="871988" y="1122960"/>
+            <a:ext cx="1069260" cy="1069260"/>
+          </a:xfrm>
+          <a:prstGeom prst="rect">
+            <a:avLst/>
+          </a:prstGeom>
+          <a:solidFill>
+            <a:schemeClr val="bg1"/>
           </a:solidFill>
           <a:ln>
-            <a:noFill/>
+            <a:solidFill>
+              <a:schemeClr val="tx1"/>
+            </a:solidFill>
           </a:ln>
         </p:spPr>
         <p:style>
@@ -4609,25 +4589,25 @@
       </p:sp>
       <p:sp>
         <p:nvSpPr>
-          <p:cNvPr id="15" name="円/楕円 14"/>
+          <p:cNvPr id="27" name="正方形/長方形 26"/>
           <p:cNvSpPr/>
           <p:nvPr/>
         </p:nvSpPr>
         <p:spPr>
           <a:xfrm>
-            <a:off x="7088203" y="2122758"/>
-            <a:ext cx="389753" cy="539972"/>
-          </a:xfrm>
-          <a:prstGeom prst="ellipse">
-            <a:avLst/>
-          </a:prstGeom>
-          <a:solidFill>
-            <a:schemeClr val="accent5">
-              <a:lumMod val="50000"/>
-            </a:schemeClr>
+            <a:off x="9516674" y="1122960"/>
+            <a:ext cx="1069260" cy="1069260"/>
+          </a:xfrm>
+          <a:prstGeom prst="rect">
+            <a:avLst/>
+          </a:prstGeom>
+          <a:solidFill>
+            <a:schemeClr val="bg1"/>
           </a:solidFill>
           <a:ln>
-            <a:noFill/>
+            <a:solidFill>
+              <a:schemeClr val="tx1"/>
+            </a:solidFill>
           </a:ln>
         </p:spPr>
         <p:style>
@@ -4655,10 +4635,394 @@
           </a:p>
         </p:txBody>
       </p:sp>
+      <p:pic>
+        <p:nvPicPr>
+          <p:cNvPr id="45" name="図 44"/>
+          <p:cNvPicPr>
+            <a:picLocks noChangeAspect="1"/>
+          </p:cNvPicPr>
+          <p:nvPr/>
+        </p:nvPicPr>
+        <p:blipFill>
+          <a:blip r:embed="rId2"/>
+          <a:stretch>
+            <a:fillRect/>
+          </a:stretch>
+        </p:blipFill>
+        <p:spPr>
+          <a:xfrm>
+            <a:off x="1056828" y="1268773"/>
+            <a:ext cx="725339" cy="725339"/>
+          </a:xfrm>
+          <a:prstGeom prst="rect">
+            <a:avLst/>
+          </a:prstGeom>
+        </p:spPr>
+      </p:pic>
+      <p:pic>
+        <p:nvPicPr>
+          <p:cNvPr id="46" name="図 45"/>
+          <p:cNvPicPr>
+            <a:picLocks noChangeAspect="1"/>
+          </p:cNvPicPr>
+          <p:nvPr/>
+        </p:nvPicPr>
+        <p:blipFill>
+          <a:blip r:embed="rId3"/>
+          <a:stretch>
+            <a:fillRect/>
+          </a:stretch>
+        </p:blipFill>
+        <p:spPr>
+          <a:xfrm>
+            <a:off x="3216159" y="1268773"/>
+            <a:ext cx="725339" cy="725339"/>
+          </a:xfrm>
+          <a:prstGeom prst="rect">
+            <a:avLst/>
+          </a:prstGeom>
+        </p:spPr>
+      </p:pic>
+      <p:pic>
+        <p:nvPicPr>
+          <p:cNvPr id="47" name="図 46"/>
+          <p:cNvPicPr>
+            <a:picLocks noChangeAspect="1"/>
+          </p:cNvPicPr>
+          <p:nvPr/>
+        </p:nvPicPr>
+        <p:blipFill>
+          <a:blip r:embed="rId4"/>
+          <a:stretch>
+            <a:fillRect/>
+          </a:stretch>
+        </p:blipFill>
+        <p:spPr>
+          <a:xfrm>
+            <a:off x="5375490" y="1268773"/>
+            <a:ext cx="725339" cy="725339"/>
+          </a:xfrm>
+          <a:prstGeom prst="rect">
+            <a:avLst/>
+          </a:prstGeom>
+        </p:spPr>
+      </p:pic>
+      <p:pic>
+        <p:nvPicPr>
+          <p:cNvPr id="48" name="図 47"/>
+          <p:cNvPicPr>
+            <a:picLocks noChangeAspect="1"/>
+          </p:cNvPicPr>
+          <p:nvPr/>
+        </p:nvPicPr>
+        <p:blipFill>
+          <a:blip r:embed="rId5"/>
+          <a:stretch>
+            <a:fillRect/>
+          </a:stretch>
+        </p:blipFill>
+        <p:spPr>
+          <a:xfrm>
+            <a:off x="7534821" y="1268773"/>
+            <a:ext cx="725339" cy="725339"/>
+          </a:xfrm>
+          <a:prstGeom prst="rect">
+            <a:avLst/>
+          </a:prstGeom>
+        </p:spPr>
+      </p:pic>
+      <p:pic>
+        <p:nvPicPr>
+          <p:cNvPr id="49" name="図 48"/>
+          <p:cNvPicPr>
+            <a:picLocks noChangeAspect="1"/>
+          </p:cNvPicPr>
+          <p:nvPr/>
+        </p:nvPicPr>
+        <p:blipFill>
+          <a:blip r:embed="rId6"/>
+          <a:stretch>
+            <a:fillRect/>
+          </a:stretch>
+        </p:blipFill>
+        <p:spPr>
+          <a:xfrm>
+            <a:off x="9694152" y="1268773"/>
+            <a:ext cx="725339" cy="725339"/>
+          </a:xfrm>
+          <a:prstGeom prst="rect">
+            <a:avLst/>
+          </a:prstGeom>
+        </p:spPr>
+      </p:pic>
+      <p:pic>
+        <p:nvPicPr>
+          <p:cNvPr id="50" name="図 49"/>
+          <p:cNvPicPr>
+            <a:picLocks noChangeAspect="1"/>
+          </p:cNvPicPr>
+          <p:nvPr/>
+        </p:nvPicPr>
+        <p:blipFill>
+          <a:blip r:embed="rId7"/>
+          <a:stretch>
+            <a:fillRect/>
+          </a:stretch>
+        </p:blipFill>
+        <p:spPr>
+          <a:xfrm>
+            <a:off x="1056828" y="3427896"/>
+            <a:ext cx="725339" cy="725339"/>
+          </a:xfrm>
+          <a:prstGeom prst="rect">
+            <a:avLst/>
+          </a:prstGeom>
+        </p:spPr>
+      </p:pic>
+      <p:sp>
+        <p:nvSpPr>
+          <p:cNvPr id="33" name="正方形/長方形 32"/>
+          <p:cNvSpPr/>
+          <p:nvPr/>
+        </p:nvSpPr>
+        <p:spPr>
+          <a:xfrm>
+            <a:off x="3033159" y="5407331"/>
+            <a:ext cx="1069260" cy="1069260"/>
+          </a:xfrm>
+          <a:prstGeom prst="rect">
+            <a:avLst/>
+          </a:prstGeom>
+          <a:solidFill>
+            <a:schemeClr val="bg1"/>
+          </a:solidFill>
+          <a:ln>
+            <a:solidFill>
+              <a:schemeClr val="tx1"/>
+            </a:solidFill>
+          </a:ln>
+        </p:spPr>
+        <p:style>
+          <a:lnRef idx="2">
+            <a:schemeClr val="accent1">
+              <a:shade val="50000"/>
+            </a:schemeClr>
+          </a:lnRef>
+          <a:fillRef idx="1">
+            <a:schemeClr val="accent1"/>
+          </a:fillRef>
+          <a:effectRef idx="0">
+            <a:schemeClr val="accent1"/>
+          </a:effectRef>
+          <a:fontRef idx="minor">
+            <a:schemeClr val="lt1"/>
+          </a:fontRef>
+        </p:style>
+        <p:txBody>
+          <a:bodyPr rtlCol="0" anchor="ctr"/>
+          <a:lstStyle/>
+          <a:p>
+            <a:pPr algn="ctr"/>
+            <a:endParaRPr kumimoji="1" lang="ja-JP" altLang="en-US"/>
+          </a:p>
+        </p:txBody>
+      </p:sp>
+      <p:sp>
+        <p:nvSpPr>
+          <p:cNvPr id="34" name="正方形/長方形 33"/>
+          <p:cNvSpPr/>
+          <p:nvPr/>
+        </p:nvSpPr>
+        <p:spPr>
+          <a:xfrm>
+            <a:off x="5194330" y="5407331"/>
+            <a:ext cx="1069260" cy="1069260"/>
+          </a:xfrm>
+          <a:prstGeom prst="rect">
+            <a:avLst/>
+          </a:prstGeom>
+          <a:solidFill>
+            <a:schemeClr val="bg1"/>
+          </a:solidFill>
+          <a:ln>
+            <a:solidFill>
+              <a:schemeClr val="tx1"/>
+            </a:solidFill>
+          </a:ln>
+        </p:spPr>
+        <p:style>
+          <a:lnRef idx="2">
+            <a:schemeClr val="accent1">
+              <a:shade val="50000"/>
+            </a:schemeClr>
+          </a:lnRef>
+          <a:fillRef idx="1">
+            <a:schemeClr val="accent1"/>
+          </a:fillRef>
+          <a:effectRef idx="0">
+            <a:schemeClr val="accent1"/>
+          </a:effectRef>
+          <a:fontRef idx="minor">
+            <a:schemeClr val="lt1"/>
+          </a:fontRef>
+        </p:style>
+        <p:txBody>
+          <a:bodyPr rtlCol="0" anchor="ctr"/>
+          <a:lstStyle/>
+          <a:p>
+            <a:pPr algn="ctr"/>
+            <a:endParaRPr kumimoji="1" lang="ja-JP" altLang="en-US"/>
+          </a:p>
+        </p:txBody>
+      </p:sp>
+      <p:sp>
+        <p:nvSpPr>
+          <p:cNvPr id="35" name="正方形/長方形 34"/>
+          <p:cNvSpPr/>
+          <p:nvPr/>
+        </p:nvSpPr>
+        <p:spPr>
+          <a:xfrm>
+            <a:off x="7355502" y="5407331"/>
+            <a:ext cx="1069260" cy="1069260"/>
+          </a:xfrm>
+          <a:prstGeom prst="rect">
+            <a:avLst/>
+          </a:prstGeom>
+          <a:solidFill>
+            <a:schemeClr val="bg1"/>
+          </a:solidFill>
+          <a:ln>
+            <a:solidFill>
+              <a:schemeClr val="tx1"/>
+            </a:solidFill>
+          </a:ln>
+        </p:spPr>
+        <p:style>
+          <a:lnRef idx="2">
+            <a:schemeClr val="accent1">
+              <a:shade val="50000"/>
+            </a:schemeClr>
+          </a:lnRef>
+          <a:fillRef idx="1">
+            <a:schemeClr val="accent1"/>
+          </a:fillRef>
+          <a:effectRef idx="0">
+            <a:schemeClr val="accent1"/>
+          </a:effectRef>
+          <a:fontRef idx="minor">
+            <a:schemeClr val="lt1"/>
+          </a:fontRef>
+        </p:style>
+        <p:txBody>
+          <a:bodyPr rtlCol="0" anchor="ctr"/>
+          <a:lstStyle/>
+          <a:p>
+            <a:pPr algn="ctr"/>
+            <a:endParaRPr kumimoji="1" lang="ja-JP" altLang="en-US"/>
+          </a:p>
+        </p:txBody>
+      </p:sp>
+      <p:sp>
+        <p:nvSpPr>
+          <p:cNvPr id="36" name="正方形/長方形 35"/>
+          <p:cNvSpPr/>
+          <p:nvPr/>
+        </p:nvSpPr>
+        <p:spPr>
+          <a:xfrm>
+            <a:off x="871988" y="5407331"/>
+            <a:ext cx="1069260" cy="1069260"/>
+          </a:xfrm>
+          <a:prstGeom prst="rect">
+            <a:avLst/>
+          </a:prstGeom>
+          <a:solidFill>
+            <a:schemeClr val="bg1"/>
+          </a:solidFill>
+          <a:ln>
+            <a:solidFill>
+              <a:schemeClr val="tx1"/>
+            </a:solidFill>
+          </a:ln>
+        </p:spPr>
+        <p:style>
+          <a:lnRef idx="2">
+            <a:schemeClr val="accent1">
+              <a:shade val="50000"/>
+            </a:schemeClr>
+          </a:lnRef>
+          <a:fillRef idx="1">
+            <a:schemeClr val="accent1"/>
+          </a:fillRef>
+          <a:effectRef idx="0">
+            <a:schemeClr val="accent1"/>
+          </a:effectRef>
+          <a:fontRef idx="minor">
+            <a:schemeClr val="lt1"/>
+          </a:fontRef>
+        </p:style>
+        <p:txBody>
+          <a:bodyPr rtlCol="0" anchor="ctr"/>
+          <a:lstStyle/>
+          <a:p>
+            <a:pPr algn="ctr"/>
+            <a:endParaRPr kumimoji="1" lang="ja-JP" altLang="en-US"/>
+          </a:p>
+        </p:txBody>
+      </p:sp>
+      <p:sp>
+        <p:nvSpPr>
+          <p:cNvPr id="37" name="正方形/長方形 36"/>
+          <p:cNvSpPr/>
+          <p:nvPr/>
+        </p:nvSpPr>
+        <p:spPr>
+          <a:xfrm>
+            <a:off x="9516674" y="5407331"/>
+            <a:ext cx="1069260" cy="1069260"/>
+          </a:xfrm>
+          <a:prstGeom prst="rect">
+            <a:avLst/>
+          </a:prstGeom>
+          <a:solidFill>
+            <a:schemeClr val="bg1"/>
+          </a:solidFill>
+          <a:ln>
+            <a:solidFill>
+              <a:schemeClr val="tx1"/>
+            </a:solidFill>
+          </a:ln>
+        </p:spPr>
+        <p:style>
+          <a:lnRef idx="2">
+            <a:schemeClr val="accent1">
+              <a:shade val="50000"/>
+            </a:schemeClr>
+          </a:lnRef>
+          <a:fillRef idx="1">
+            <a:schemeClr val="accent1"/>
+          </a:fillRef>
+          <a:effectRef idx="0">
+            <a:schemeClr val="accent1"/>
+          </a:effectRef>
+          <a:fontRef idx="minor">
+            <a:schemeClr val="lt1"/>
+          </a:fontRef>
+        </p:style>
+        <p:txBody>
+          <a:bodyPr rtlCol="0" anchor="ctr"/>
+          <a:lstStyle/>
+          <a:p>
+            <a:pPr algn="ctr"/>
+            <a:endParaRPr kumimoji="1" lang="ja-JP" altLang="en-US"/>
+          </a:p>
+        </p:txBody>
+      </p:sp>
     </p:spTree>
     <p:extLst>
       <p:ext uri="{BB962C8B-B14F-4D97-AF65-F5344CB8AC3E}">
-        <p14:creationId xmlns:p14="http://schemas.microsoft.com/office/powerpoint/2010/main" val="1517608563"/>
+        <p14:creationId xmlns:p14="http://schemas.microsoft.com/office/powerpoint/2010/main" val="2850659799"/>
       </p:ext>
     </p:extLst>
   </p:cSld>
@@ -4699,11 +5063,6 @@
           <a:prstGeom prst="ellipse">
             <a:avLst/>
           </a:prstGeom>
-          <a:solidFill>
-            <a:schemeClr val="bg1">
-              <a:lumMod val="50000"/>
-            </a:schemeClr>
-          </a:solidFill>
           <a:ln>
             <a:noFill/>
           </a:ln>
@@ -4954,10 +5313,7 @@
             <a:avLst/>
           </a:prstGeom>
           <a:solidFill>
-            <a:schemeClr val="accent4">
-              <a:lumMod val="60000"/>
-              <a:lumOff val="40000"/>
-            </a:schemeClr>
+            <a:srgbClr val="FF8989"/>
           </a:solidFill>
           <a:ln>
             <a:noFill/>
@@ -5197,6 +5553,545 @@
     </p:spTree>
     <p:extLst>
       <p:ext uri="{BB962C8B-B14F-4D97-AF65-F5344CB8AC3E}">
+        <p14:creationId xmlns:p14="http://schemas.microsoft.com/office/powerpoint/2010/main" val="1517608563"/>
+      </p:ext>
+    </p:extLst>
+  </p:cSld>
+  <p:clrMapOvr>
+    <a:masterClrMapping/>
+  </p:clrMapOvr>
+</p:sld>
+</file>
+
+<file path=ppt/slides/slide4.xml><?xml version="1.0" encoding="utf-8"?>
+<p:sld xmlns:a="http://schemas.openxmlformats.org/drawingml/2006/main" xmlns:r="http://schemas.openxmlformats.org/officeDocument/2006/relationships" xmlns:p="http://schemas.openxmlformats.org/presentationml/2006/main">
+  <p:cSld>
+    <p:spTree>
+      <p:nvGrpSpPr>
+        <p:cNvPr id="1" name=""/>
+        <p:cNvGrpSpPr/>
+        <p:nvPr/>
+      </p:nvGrpSpPr>
+      <p:grpSpPr>
+        <a:xfrm>
+          <a:off x="0" y="0"/>
+          <a:ext cx="0" cy="0"/>
+          <a:chOff x="0" y="0"/>
+          <a:chExt cx="0" cy="0"/>
+        </a:xfrm>
+      </p:grpSpPr>
+      <p:sp>
+        <p:nvSpPr>
+          <p:cNvPr id="4" name="円/楕円 3"/>
+          <p:cNvSpPr/>
+          <p:nvPr/>
+        </p:nvSpPr>
+        <p:spPr>
+          <a:xfrm>
+            <a:off x="1298977" y="1161246"/>
+            <a:ext cx="4134118" cy="4134118"/>
+          </a:xfrm>
+          <a:prstGeom prst="ellipse">
+            <a:avLst/>
+          </a:prstGeom>
+          <a:solidFill>
+            <a:schemeClr val="bg1">
+              <a:lumMod val="50000"/>
+            </a:schemeClr>
+          </a:solidFill>
+          <a:ln>
+            <a:noFill/>
+          </a:ln>
+          <a:effectLst/>
+          <a:scene3d>
+            <a:camera prst="orthographicFront">
+              <a:rot lat="0" lon="0" rev="0"/>
+            </a:camera>
+            <a:lightRig rig="contrasting" dir="t">
+              <a:rot lat="0" lon="0" rev="7800000"/>
+            </a:lightRig>
+          </a:scene3d>
+          <a:sp3d>
+            <a:bevelT w="139700" h="139700"/>
+          </a:sp3d>
+        </p:spPr>
+        <p:style>
+          <a:lnRef idx="2">
+            <a:schemeClr val="accent1">
+              <a:shade val="50000"/>
+            </a:schemeClr>
+          </a:lnRef>
+          <a:fillRef idx="1">
+            <a:schemeClr val="accent1"/>
+          </a:fillRef>
+          <a:effectRef idx="0">
+            <a:schemeClr val="accent1"/>
+          </a:effectRef>
+          <a:fontRef idx="minor">
+            <a:schemeClr val="lt1"/>
+          </a:fontRef>
+        </p:style>
+        <p:txBody>
+          <a:bodyPr rtlCol="0" anchor="ctr"/>
+          <a:lstStyle/>
+          <a:p>
+            <a:pPr algn="ctr"/>
+            <a:endParaRPr kumimoji="1" lang="ja-JP" altLang="en-US"/>
+          </a:p>
+        </p:txBody>
+      </p:sp>
+      <p:sp>
+        <p:nvSpPr>
+          <p:cNvPr id="5" name="円/楕円 4"/>
+          <p:cNvSpPr/>
+          <p:nvPr/>
+        </p:nvSpPr>
+        <p:spPr>
+          <a:xfrm>
+            <a:off x="2715653" y="2273121"/>
+            <a:ext cx="697201" cy="965916"/>
+          </a:xfrm>
+          <a:prstGeom prst="ellipse">
+            <a:avLst/>
+          </a:prstGeom>
+          <a:solidFill>
+            <a:schemeClr val="accent5">
+              <a:lumMod val="20000"/>
+              <a:lumOff val="80000"/>
+            </a:schemeClr>
+          </a:solidFill>
+          <a:ln>
+            <a:noFill/>
+          </a:ln>
+        </p:spPr>
+        <p:style>
+          <a:lnRef idx="2">
+            <a:schemeClr val="accent1">
+              <a:shade val="50000"/>
+            </a:schemeClr>
+          </a:lnRef>
+          <a:fillRef idx="1">
+            <a:schemeClr val="accent1"/>
+          </a:fillRef>
+          <a:effectRef idx="0">
+            <a:schemeClr val="accent1"/>
+          </a:effectRef>
+          <a:fontRef idx="minor">
+            <a:schemeClr val="lt1"/>
+          </a:fontRef>
+        </p:style>
+        <p:txBody>
+          <a:bodyPr rtlCol="0" anchor="ctr"/>
+          <a:lstStyle/>
+          <a:p>
+            <a:pPr algn="ctr"/>
+            <a:endParaRPr kumimoji="1" lang="ja-JP" altLang="en-US"/>
+          </a:p>
+        </p:txBody>
+      </p:sp>
+      <p:sp>
+        <p:nvSpPr>
+          <p:cNvPr id="6" name="円/楕円 5"/>
+          <p:cNvSpPr/>
+          <p:nvPr/>
+        </p:nvSpPr>
+        <p:spPr>
+          <a:xfrm>
+            <a:off x="2743556" y="2605716"/>
+            <a:ext cx="389753" cy="539972"/>
+          </a:xfrm>
+          <a:prstGeom prst="ellipse">
+            <a:avLst/>
+          </a:prstGeom>
+          <a:solidFill>
+            <a:schemeClr val="accent5">
+              <a:lumMod val="50000"/>
+            </a:schemeClr>
+          </a:solidFill>
+          <a:ln>
+            <a:noFill/>
+          </a:ln>
+        </p:spPr>
+        <p:style>
+          <a:lnRef idx="2">
+            <a:schemeClr val="accent1">
+              <a:shade val="50000"/>
+            </a:schemeClr>
+          </a:lnRef>
+          <a:fillRef idx="1">
+            <a:schemeClr val="accent1"/>
+          </a:fillRef>
+          <a:effectRef idx="0">
+            <a:schemeClr val="accent1"/>
+          </a:effectRef>
+          <a:fontRef idx="minor">
+            <a:schemeClr val="lt1"/>
+          </a:fontRef>
+        </p:style>
+        <p:txBody>
+          <a:bodyPr rtlCol="0" anchor="ctr"/>
+          <a:lstStyle/>
+          <a:p>
+            <a:pPr algn="ctr"/>
+            <a:endParaRPr kumimoji="1" lang="ja-JP" altLang="en-US"/>
+          </a:p>
+        </p:txBody>
+      </p:sp>
+      <p:sp>
+        <p:nvSpPr>
+          <p:cNvPr id="9" name="円/楕円 8"/>
+          <p:cNvSpPr/>
+          <p:nvPr/>
+        </p:nvSpPr>
+        <p:spPr>
+          <a:xfrm>
+            <a:off x="1739000" y="1790163"/>
+            <a:ext cx="697201" cy="965916"/>
+          </a:xfrm>
+          <a:prstGeom prst="ellipse">
+            <a:avLst/>
+          </a:prstGeom>
+          <a:solidFill>
+            <a:schemeClr val="accent5">
+              <a:lumMod val="20000"/>
+              <a:lumOff val="80000"/>
+            </a:schemeClr>
+          </a:solidFill>
+          <a:ln>
+            <a:noFill/>
+          </a:ln>
+        </p:spPr>
+        <p:style>
+          <a:lnRef idx="2">
+            <a:schemeClr val="accent1">
+              <a:shade val="50000"/>
+            </a:schemeClr>
+          </a:lnRef>
+          <a:fillRef idx="1">
+            <a:schemeClr val="accent1"/>
+          </a:fillRef>
+          <a:effectRef idx="0">
+            <a:schemeClr val="accent1"/>
+          </a:effectRef>
+          <a:fontRef idx="minor">
+            <a:schemeClr val="lt1"/>
+          </a:fontRef>
+        </p:style>
+        <p:txBody>
+          <a:bodyPr rtlCol="0" anchor="ctr"/>
+          <a:lstStyle/>
+          <a:p>
+            <a:pPr algn="ctr"/>
+            <a:endParaRPr kumimoji="1" lang="ja-JP" altLang="en-US"/>
+          </a:p>
+        </p:txBody>
+      </p:sp>
+      <p:sp>
+        <p:nvSpPr>
+          <p:cNvPr id="10" name="円/楕円 9"/>
+          <p:cNvSpPr/>
+          <p:nvPr/>
+        </p:nvSpPr>
+        <p:spPr>
+          <a:xfrm>
+            <a:off x="1766903" y="2122758"/>
+            <a:ext cx="389753" cy="539972"/>
+          </a:xfrm>
+          <a:prstGeom prst="ellipse">
+            <a:avLst/>
+          </a:prstGeom>
+          <a:solidFill>
+            <a:schemeClr val="accent5">
+              <a:lumMod val="50000"/>
+            </a:schemeClr>
+          </a:solidFill>
+          <a:ln>
+            <a:noFill/>
+          </a:ln>
+        </p:spPr>
+        <p:style>
+          <a:lnRef idx="2">
+            <a:schemeClr val="accent1">
+              <a:shade val="50000"/>
+            </a:schemeClr>
+          </a:lnRef>
+          <a:fillRef idx="1">
+            <a:schemeClr val="accent1"/>
+          </a:fillRef>
+          <a:effectRef idx="0">
+            <a:schemeClr val="accent1"/>
+          </a:effectRef>
+          <a:fontRef idx="minor">
+            <a:schemeClr val="lt1"/>
+          </a:fontRef>
+        </p:style>
+        <p:txBody>
+          <a:bodyPr rtlCol="0" anchor="ctr"/>
+          <a:lstStyle/>
+          <a:p>
+            <a:pPr algn="ctr"/>
+            <a:endParaRPr kumimoji="1" lang="ja-JP" altLang="en-US"/>
+          </a:p>
+        </p:txBody>
+      </p:sp>
+      <p:sp>
+        <p:nvSpPr>
+          <p:cNvPr id="11" name="円/楕円 10"/>
+          <p:cNvSpPr/>
+          <p:nvPr/>
+        </p:nvSpPr>
+        <p:spPr>
+          <a:xfrm>
+            <a:off x="6620277" y="1161246"/>
+            <a:ext cx="4134118" cy="4134118"/>
+          </a:xfrm>
+          <a:prstGeom prst="ellipse">
+            <a:avLst/>
+          </a:prstGeom>
+          <a:solidFill>
+            <a:schemeClr val="accent4">
+              <a:lumMod val="60000"/>
+              <a:lumOff val="40000"/>
+            </a:schemeClr>
+          </a:solidFill>
+          <a:ln>
+            <a:noFill/>
+          </a:ln>
+          <a:effectLst/>
+          <a:scene3d>
+            <a:camera prst="orthographicFront">
+              <a:rot lat="0" lon="0" rev="0"/>
+            </a:camera>
+            <a:lightRig rig="contrasting" dir="t">
+              <a:rot lat="0" lon="0" rev="7800000"/>
+            </a:lightRig>
+          </a:scene3d>
+          <a:sp3d>
+            <a:bevelT w="139700" h="139700"/>
+          </a:sp3d>
+        </p:spPr>
+        <p:style>
+          <a:lnRef idx="2">
+            <a:schemeClr val="accent1">
+              <a:shade val="50000"/>
+            </a:schemeClr>
+          </a:lnRef>
+          <a:fillRef idx="1">
+            <a:schemeClr val="accent1"/>
+          </a:fillRef>
+          <a:effectRef idx="0">
+            <a:schemeClr val="accent1"/>
+          </a:effectRef>
+          <a:fontRef idx="minor">
+            <a:schemeClr val="lt1"/>
+          </a:fontRef>
+        </p:style>
+        <p:txBody>
+          <a:bodyPr rtlCol="0" anchor="ctr"/>
+          <a:lstStyle/>
+          <a:p>
+            <a:pPr algn="ctr"/>
+            <a:endParaRPr kumimoji="1" lang="ja-JP" altLang="en-US"/>
+          </a:p>
+        </p:txBody>
+      </p:sp>
+      <p:sp>
+        <p:nvSpPr>
+          <p:cNvPr id="12" name="円/楕円 11"/>
+          <p:cNvSpPr/>
+          <p:nvPr/>
+        </p:nvSpPr>
+        <p:spPr>
+          <a:xfrm>
+            <a:off x="8036953" y="2273121"/>
+            <a:ext cx="697201" cy="965916"/>
+          </a:xfrm>
+          <a:prstGeom prst="ellipse">
+            <a:avLst/>
+          </a:prstGeom>
+          <a:solidFill>
+            <a:schemeClr val="accent5">
+              <a:lumMod val="20000"/>
+              <a:lumOff val="80000"/>
+            </a:schemeClr>
+          </a:solidFill>
+          <a:ln>
+            <a:noFill/>
+          </a:ln>
+        </p:spPr>
+        <p:style>
+          <a:lnRef idx="2">
+            <a:schemeClr val="accent1">
+              <a:shade val="50000"/>
+            </a:schemeClr>
+          </a:lnRef>
+          <a:fillRef idx="1">
+            <a:schemeClr val="accent1"/>
+          </a:fillRef>
+          <a:effectRef idx="0">
+            <a:schemeClr val="accent1"/>
+          </a:effectRef>
+          <a:fontRef idx="minor">
+            <a:schemeClr val="lt1"/>
+          </a:fontRef>
+        </p:style>
+        <p:txBody>
+          <a:bodyPr rtlCol="0" anchor="ctr"/>
+          <a:lstStyle/>
+          <a:p>
+            <a:pPr algn="ctr"/>
+            <a:endParaRPr kumimoji="1" lang="ja-JP" altLang="en-US"/>
+          </a:p>
+        </p:txBody>
+      </p:sp>
+      <p:sp>
+        <p:nvSpPr>
+          <p:cNvPr id="13" name="円/楕円 12"/>
+          <p:cNvSpPr/>
+          <p:nvPr/>
+        </p:nvSpPr>
+        <p:spPr>
+          <a:xfrm>
+            <a:off x="8064856" y="2605716"/>
+            <a:ext cx="389753" cy="539972"/>
+          </a:xfrm>
+          <a:prstGeom prst="ellipse">
+            <a:avLst/>
+          </a:prstGeom>
+          <a:solidFill>
+            <a:schemeClr val="accent5">
+              <a:lumMod val="50000"/>
+            </a:schemeClr>
+          </a:solidFill>
+          <a:ln>
+            <a:noFill/>
+          </a:ln>
+        </p:spPr>
+        <p:style>
+          <a:lnRef idx="2">
+            <a:schemeClr val="accent1">
+              <a:shade val="50000"/>
+            </a:schemeClr>
+          </a:lnRef>
+          <a:fillRef idx="1">
+            <a:schemeClr val="accent1"/>
+          </a:fillRef>
+          <a:effectRef idx="0">
+            <a:schemeClr val="accent1"/>
+          </a:effectRef>
+          <a:fontRef idx="minor">
+            <a:schemeClr val="lt1"/>
+          </a:fontRef>
+        </p:style>
+        <p:txBody>
+          <a:bodyPr rtlCol="0" anchor="ctr"/>
+          <a:lstStyle/>
+          <a:p>
+            <a:pPr algn="ctr"/>
+            <a:endParaRPr kumimoji="1" lang="ja-JP" altLang="en-US"/>
+          </a:p>
+        </p:txBody>
+      </p:sp>
+      <p:sp>
+        <p:nvSpPr>
+          <p:cNvPr id="14" name="円/楕円 13"/>
+          <p:cNvSpPr/>
+          <p:nvPr/>
+        </p:nvSpPr>
+        <p:spPr>
+          <a:xfrm>
+            <a:off x="7060300" y="1790163"/>
+            <a:ext cx="697201" cy="965916"/>
+          </a:xfrm>
+          <a:prstGeom prst="ellipse">
+            <a:avLst/>
+          </a:prstGeom>
+          <a:solidFill>
+            <a:schemeClr val="accent5">
+              <a:lumMod val="20000"/>
+              <a:lumOff val="80000"/>
+            </a:schemeClr>
+          </a:solidFill>
+          <a:ln>
+            <a:noFill/>
+          </a:ln>
+        </p:spPr>
+        <p:style>
+          <a:lnRef idx="2">
+            <a:schemeClr val="accent1">
+              <a:shade val="50000"/>
+            </a:schemeClr>
+          </a:lnRef>
+          <a:fillRef idx="1">
+            <a:schemeClr val="accent1"/>
+          </a:fillRef>
+          <a:effectRef idx="0">
+            <a:schemeClr val="accent1"/>
+          </a:effectRef>
+          <a:fontRef idx="minor">
+            <a:schemeClr val="lt1"/>
+          </a:fontRef>
+        </p:style>
+        <p:txBody>
+          <a:bodyPr rtlCol="0" anchor="ctr"/>
+          <a:lstStyle/>
+          <a:p>
+            <a:pPr algn="ctr"/>
+            <a:endParaRPr kumimoji="1" lang="ja-JP" altLang="en-US"/>
+          </a:p>
+        </p:txBody>
+      </p:sp>
+      <p:sp>
+        <p:nvSpPr>
+          <p:cNvPr id="15" name="円/楕円 14"/>
+          <p:cNvSpPr/>
+          <p:nvPr/>
+        </p:nvSpPr>
+        <p:spPr>
+          <a:xfrm>
+            <a:off x="7088203" y="2122758"/>
+            <a:ext cx="389753" cy="539972"/>
+          </a:xfrm>
+          <a:prstGeom prst="ellipse">
+            <a:avLst/>
+          </a:prstGeom>
+          <a:solidFill>
+            <a:schemeClr val="accent5">
+              <a:lumMod val="50000"/>
+            </a:schemeClr>
+          </a:solidFill>
+          <a:ln>
+            <a:noFill/>
+          </a:ln>
+        </p:spPr>
+        <p:style>
+          <a:lnRef idx="2">
+            <a:schemeClr val="accent1">
+              <a:shade val="50000"/>
+            </a:schemeClr>
+          </a:lnRef>
+          <a:fillRef idx="1">
+            <a:schemeClr val="accent1"/>
+          </a:fillRef>
+          <a:effectRef idx="0">
+            <a:schemeClr val="accent1"/>
+          </a:effectRef>
+          <a:fontRef idx="minor">
+            <a:schemeClr val="lt1"/>
+          </a:fontRef>
+        </p:style>
+        <p:txBody>
+          <a:bodyPr rtlCol="0" anchor="ctr"/>
+          <a:lstStyle/>
+          <a:p>
+            <a:pPr algn="ctr"/>
+            <a:endParaRPr kumimoji="1" lang="ja-JP" altLang="en-US"/>
+          </a:p>
+        </p:txBody>
+      </p:sp>
+    </p:spTree>
+    <p:extLst>
+      <p:ext uri="{BB962C8B-B14F-4D97-AF65-F5344CB8AC3E}">
         <p14:creationId xmlns:p14="http://schemas.microsoft.com/office/powerpoint/2010/main" val="3887970476"/>
       </p:ext>
     </p:extLst>
@@ -5207,7 +6102,7 @@
 </p:sld>
 </file>
 
-<file path=ppt/slides/slide4.xml><?xml version="1.0" encoding="utf-8"?>
+<file path=ppt/slides/slide5.xml><?xml version="1.0" encoding="utf-8"?>
 <p:sld xmlns:a="http://schemas.openxmlformats.org/drawingml/2006/main" xmlns:r="http://schemas.openxmlformats.org/officeDocument/2006/relationships" xmlns:p="http://schemas.openxmlformats.org/presentationml/2006/main">
   <p:cSld>
     <p:spTree>

--- a/soldier core.pptx
+++ b/soldier core.pptx
@@ -247,7 +247,7 @@
           <a:p>
             <a:fld id="{0E085FA6-3BB9-47BA-8D81-299A75D1B58A}" type="datetimeFigureOut">
               <a:rPr kumimoji="1" lang="ja-JP" altLang="en-US" smtClean="0"/>
-              <a:t>2025/3/14</a:t>
+              <a:t>2025/4/17</a:t>
             </a:fld>
             <a:endParaRPr kumimoji="1" lang="ja-JP" altLang="en-US"/>
           </a:p>
@@ -449,7 +449,7 @@
           <a:p>
             <a:fld id="{0E085FA6-3BB9-47BA-8D81-299A75D1B58A}" type="datetimeFigureOut">
               <a:rPr kumimoji="1" lang="ja-JP" altLang="en-US" smtClean="0"/>
-              <a:t>2025/3/14</a:t>
+              <a:t>2025/4/17</a:t>
             </a:fld>
             <a:endParaRPr kumimoji="1" lang="ja-JP" altLang="en-US"/>
           </a:p>
@@ -661,7 +661,7 @@
           <a:p>
             <a:fld id="{0E085FA6-3BB9-47BA-8D81-299A75D1B58A}" type="datetimeFigureOut">
               <a:rPr kumimoji="1" lang="ja-JP" altLang="en-US" smtClean="0"/>
-              <a:t>2025/3/14</a:t>
+              <a:t>2025/4/17</a:t>
             </a:fld>
             <a:endParaRPr kumimoji="1" lang="ja-JP" altLang="en-US"/>
           </a:p>
@@ -863,7 +863,7 @@
           <a:p>
             <a:fld id="{0E085FA6-3BB9-47BA-8D81-299A75D1B58A}" type="datetimeFigureOut">
               <a:rPr kumimoji="1" lang="ja-JP" altLang="en-US" smtClean="0"/>
-              <a:t>2025/3/14</a:t>
+              <a:t>2025/4/17</a:t>
             </a:fld>
             <a:endParaRPr kumimoji="1" lang="ja-JP" altLang="en-US"/>
           </a:p>
@@ -1109,7 +1109,7 @@
           <a:p>
             <a:fld id="{0E085FA6-3BB9-47BA-8D81-299A75D1B58A}" type="datetimeFigureOut">
               <a:rPr kumimoji="1" lang="ja-JP" altLang="en-US" smtClean="0"/>
-              <a:t>2025/3/14</a:t>
+              <a:t>2025/4/17</a:t>
             </a:fld>
             <a:endParaRPr kumimoji="1" lang="ja-JP" altLang="en-US"/>
           </a:p>
@@ -1405,7 +1405,7 @@
           <a:p>
             <a:fld id="{0E085FA6-3BB9-47BA-8D81-299A75D1B58A}" type="datetimeFigureOut">
               <a:rPr kumimoji="1" lang="ja-JP" altLang="en-US" smtClean="0"/>
-              <a:t>2025/3/14</a:t>
+              <a:t>2025/4/17</a:t>
             </a:fld>
             <a:endParaRPr kumimoji="1" lang="ja-JP" altLang="en-US"/>
           </a:p>
@@ -1836,7 +1836,7 @@
           <a:p>
             <a:fld id="{0E085FA6-3BB9-47BA-8D81-299A75D1B58A}" type="datetimeFigureOut">
               <a:rPr kumimoji="1" lang="ja-JP" altLang="en-US" smtClean="0"/>
-              <a:t>2025/3/14</a:t>
+              <a:t>2025/4/17</a:t>
             </a:fld>
             <a:endParaRPr kumimoji="1" lang="ja-JP" altLang="en-US"/>
           </a:p>
@@ -1954,7 +1954,7 @@
           <a:p>
             <a:fld id="{0E085FA6-3BB9-47BA-8D81-299A75D1B58A}" type="datetimeFigureOut">
               <a:rPr kumimoji="1" lang="ja-JP" altLang="en-US" smtClean="0"/>
-              <a:t>2025/3/14</a:t>
+              <a:t>2025/4/17</a:t>
             </a:fld>
             <a:endParaRPr kumimoji="1" lang="ja-JP" altLang="en-US"/>
           </a:p>
@@ -2049,7 +2049,7 @@
           <a:p>
             <a:fld id="{0E085FA6-3BB9-47BA-8D81-299A75D1B58A}" type="datetimeFigureOut">
               <a:rPr kumimoji="1" lang="ja-JP" altLang="en-US" smtClean="0"/>
-              <a:t>2025/3/14</a:t>
+              <a:t>2025/4/17</a:t>
             </a:fld>
             <a:endParaRPr kumimoji="1" lang="ja-JP" altLang="en-US"/>
           </a:p>
@@ -2358,7 +2358,7 @@
           <a:p>
             <a:fld id="{0E085FA6-3BB9-47BA-8D81-299A75D1B58A}" type="datetimeFigureOut">
               <a:rPr kumimoji="1" lang="ja-JP" altLang="en-US" smtClean="0"/>
-              <a:t>2025/3/14</a:t>
+              <a:t>2025/4/17</a:t>
             </a:fld>
             <a:endParaRPr kumimoji="1" lang="ja-JP" altLang="en-US"/>
           </a:p>
@@ -2611,7 +2611,7 @@
           <a:p>
             <a:fld id="{0E085FA6-3BB9-47BA-8D81-299A75D1B58A}" type="datetimeFigureOut">
               <a:rPr kumimoji="1" lang="ja-JP" altLang="en-US" smtClean="0"/>
-              <a:t>2025/3/14</a:t>
+              <a:t>2025/4/17</a:t>
             </a:fld>
             <a:endParaRPr kumimoji="1" lang="ja-JP" altLang="en-US"/>
           </a:p>
@@ -2856,7 +2856,7 @@
           <a:p>
             <a:fld id="{0E085FA6-3BB9-47BA-8D81-299A75D1B58A}" type="datetimeFigureOut">
               <a:rPr kumimoji="1" lang="ja-JP" altLang="en-US" smtClean="0"/>
-              <a:t>2025/3/14</a:t>
+              <a:t>2025/4/17</a:t>
             </a:fld>
             <a:endParaRPr kumimoji="1" lang="ja-JP" altLang="en-US"/>
           </a:p>
@@ -3983,7 +3983,7 @@
       </p:sp>
       <p:pic>
         <p:nvPicPr>
-          <p:cNvPr id="45" name="図 44"/>
+          <p:cNvPr id="3" name="図 2"/>
           <p:cNvPicPr>
             <a:picLocks noChangeAspect="1"/>
           </p:cNvPicPr>
@@ -3998,7 +3998,7 @@
         <p:spPr>
           <a:xfrm>
             <a:off x="1056828" y="1268773"/>
-            <a:ext cx="725339" cy="725339"/>
+            <a:ext cx="727200" cy="727200"/>
           </a:xfrm>
           <a:prstGeom prst="rect">
             <a:avLst/>
@@ -4007,7 +4007,7 @@
       </p:pic>
       <p:pic>
         <p:nvPicPr>
-          <p:cNvPr id="46" name="図 45"/>
+          <p:cNvPr id="4" name="図 3"/>
           <p:cNvPicPr>
             <a:picLocks noChangeAspect="1"/>
           </p:cNvPicPr>
@@ -4022,7 +4022,7 @@
         <p:spPr>
           <a:xfrm>
             <a:off x="3216159" y="1268773"/>
-            <a:ext cx="725339" cy="725339"/>
+            <a:ext cx="727200" cy="727200"/>
           </a:xfrm>
           <a:prstGeom prst="rect">
             <a:avLst/>
@@ -4031,7 +4031,7 @@
       </p:pic>
       <p:pic>
         <p:nvPicPr>
-          <p:cNvPr id="47" name="図 46"/>
+          <p:cNvPr id="5" name="図 4"/>
           <p:cNvPicPr>
             <a:picLocks noChangeAspect="1"/>
           </p:cNvPicPr>
@@ -4046,7 +4046,7 @@
         <p:spPr>
           <a:xfrm>
             <a:off x="5375490" y="1268773"/>
-            <a:ext cx="725339" cy="725339"/>
+            <a:ext cx="727200" cy="727200"/>
           </a:xfrm>
           <a:prstGeom prst="rect">
             <a:avLst/>
@@ -4055,7 +4055,7 @@
       </p:pic>
       <p:pic>
         <p:nvPicPr>
-          <p:cNvPr id="48" name="図 47"/>
+          <p:cNvPr id="6" name="図 5"/>
           <p:cNvPicPr>
             <a:picLocks noChangeAspect="1"/>
           </p:cNvPicPr>
@@ -4070,7 +4070,7 @@
         <p:spPr>
           <a:xfrm>
             <a:off x="7534821" y="1268773"/>
-            <a:ext cx="725339" cy="725339"/>
+            <a:ext cx="727200" cy="727200"/>
           </a:xfrm>
           <a:prstGeom prst="rect">
             <a:avLst/>
@@ -4079,7 +4079,7 @@
       </p:pic>
       <p:pic>
         <p:nvPicPr>
-          <p:cNvPr id="49" name="図 48"/>
+          <p:cNvPr id="7" name="図 6"/>
           <p:cNvPicPr>
             <a:picLocks noChangeAspect="1"/>
           </p:cNvPicPr>
@@ -4094,7 +4094,7 @@
         <p:spPr>
           <a:xfrm>
             <a:off x="9694152" y="1268773"/>
-            <a:ext cx="725339" cy="725339"/>
+            <a:ext cx="727200" cy="727200"/>
           </a:xfrm>
           <a:prstGeom prst="rect">
             <a:avLst/>
@@ -4103,7 +4103,7 @@
       </p:pic>
       <p:pic>
         <p:nvPicPr>
-          <p:cNvPr id="50" name="図 49"/>
+          <p:cNvPr id="8" name="図 7"/>
           <p:cNvPicPr>
             <a:picLocks noChangeAspect="1"/>
           </p:cNvPicPr>
@@ -4118,7 +4118,7 @@
         <p:spPr>
           <a:xfrm>
             <a:off x="1056828" y="3427896"/>
-            <a:ext cx="725339" cy="725339"/>
+            <a:ext cx="727200" cy="727200"/>
           </a:xfrm>
           <a:prstGeom prst="rect">
             <a:avLst/>
@@ -4635,9 +4635,249 @@
           </a:p>
         </p:txBody>
       </p:sp>
+      <p:sp>
+        <p:nvSpPr>
+          <p:cNvPr id="33" name="正方形/長方形 32"/>
+          <p:cNvSpPr/>
+          <p:nvPr/>
+        </p:nvSpPr>
+        <p:spPr>
+          <a:xfrm>
+            <a:off x="3033159" y="5407331"/>
+            <a:ext cx="1069260" cy="1069260"/>
+          </a:xfrm>
+          <a:prstGeom prst="rect">
+            <a:avLst/>
+          </a:prstGeom>
+          <a:solidFill>
+            <a:schemeClr val="bg1"/>
+          </a:solidFill>
+          <a:ln>
+            <a:solidFill>
+              <a:schemeClr val="tx1"/>
+            </a:solidFill>
+          </a:ln>
+        </p:spPr>
+        <p:style>
+          <a:lnRef idx="2">
+            <a:schemeClr val="accent1">
+              <a:shade val="50000"/>
+            </a:schemeClr>
+          </a:lnRef>
+          <a:fillRef idx="1">
+            <a:schemeClr val="accent1"/>
+          </a:fillRef>
+          <a:effectRef idx="0">
+            <a:schemeClr val="accent1"/>
+          </a:effectRef>
+          <a:fontRef idx="minor">
+            <a:schemeClr val="lt1"/>
+          </a:fontRef>
+        </p:style>
+        <p:txBody>
+          <a:bodyPr rtlCol="0" anchor="ctr"/>
+          <a:lstStyle/>
+          <a:p>
+            <a:pPr algn="ctr"/>
+            <a:endParaRPr kumimoji="1" lang="ja-JP" altLang="en-US"/>
+          </a:p>
+        </p:txBody>
+      </p:sp>
+      <p:sp>
+        <p:nvSpPr>
+          <p:cNvPr id="34" name="正方形/長方形 33"/>
+          <p:cNvSpPr/>
+          <p:nvPr/>
+        </p:nvSpPr>
+        <p:spPr>
+          <a:xfrm>
+            <a:off x="5194330" y="5407331"/>
+            <a:ext cx="1069260" cy="1069260"/>
+          </a:xfrm>
+          <a:prstGeom prst="rect">
+            <a:avLst/>
+          </a:prstGeom>
+          <a:solidFill>
+            <a:schemeClr val="bg1"/>
+          </a:solidFill>
+          <a:ln>
+            <a:solidFill>
+              <a:schemeClr val="tx1"/>
+            </a:solidFill>
+          </a:ln>
+        </p:spPr>
+        <p:style>
+          <a:lnRef idx="2">
+            <a:schemeClr val="accent1">
+              <a:shade val="50000"/>
+            </a:schemeClr>
+          </a:lnRef>
+          <a:fillRef idx="1">
+            <a:schemeClr val="accent1"/>
+          </a:fillRef>
+          <a:effectRef idx="0">
+            <a:schemeClr val="accent1"/>
+          </a:effectRef>
+          <a:fontRef idx="minor">
+            <a:schemeClr val="lt1"/>
+          </a:fontRef>
+        </p:style>
+        <p:txBody>
+          <a:bodyPr rtlCol="0" anchor="ctr"/>
+          <a:lstStyle/>
+          <a:p>
+            <a:pPr algn="ctr"/>
+            <a:endParaRPr kumimoji="1" lang="ja-JP" altLang="en-US"/>
+          </a:p>
+        </p:txBody>
+      </p:sp>
+      <p:sp>
+        <p:nvSpPr>
+          <p:cNvPr id="35" name="正方形/長方形 34"/>
+          <p:cNvSpPr/>
+          <p:nvPr/>
+        </p:nvSpPr>
+        <p:spPr>
+          <a:xfrm>
+            <a:off x="7355502" y="5407331"/>
+            <a:ext cx="1069260" cy="1069260"/>
+          </a:xfrm>
+          <a:prstGeom prst="rect">
+            <a:avLst/>
+          </a:prstGeom>
+          <a:solidFill>
+            <a:schemeClr val="bg1"/>
+          </a:solidFill>
+          <a:ln>
+            <a:solidFill>
+              <a:schemeClr val="tx1"/>
+            </a:solidFill>
+          </a:ln>
+        </p:spPr>
+        <p:style>
+          <a:lnRef idx="2">
+            <a:schemeClr val="accent1">
+              <a:shade val="50000"/>
+            </a:schemeClr>
+          </a:lnRef>
+          <a:fillRef idx="1">
+            <a:schemeClr val="accent1"/>
+          </a:fillRef>
+          <a:effectRef idx="0">
+            <a:schemeClr val="accent1"/>
+          </a:effectRef>
+          <a:fontRef idx="minor">
+            <a:schemeClr val="lt1"/>
+          </a:fontRef>
+        </p:style>
+        <p:txBody>
+          <a:bodyPr rtlCol="0" anchor="ctr"/>
+          <a:lstStyle/>
+          <a:p>
+            <a:pPr algn="ctr"/>
+            <a:endParaRPr kumimoji="1" lang="ja-JP" altLang="en-US"/>
+          </a:p>
+        </p:txBody>
+      </p:sp>
+      <p:sp>
+        <p:nvSpPr>
+          <p:cNvPr id="36" name="正方形/長方形 35"/>
+          <p:cNvSpPr/>
+          <p:nvPr/>
+        </p:nvSpPr>
+        <p:spPr>
+          <a:xfrm>
+            <a:off x="871988" y="5407331"/>
+            <a:ext cx="1069260" cy="1069260"/>
+          </a:xfrm>
+          <a:prstGeom prst="rect">
+            <a:avLst/>
+          </a:prstGeom>
+          <a:solidFill>
+            <a:schemeClr val="bg1"/>
+          </a:solidFill>
+          <a:ln>
+            <a:solidFill>
+              <a:schemeClr val="tx1"/>
+            </a:solidFill>
+          </a:ln>
+        </p:spPr>
+        <p:style>
+          <a:lnRef idx="2">
+            <a:schemeClr val="accent1">
+              <a:shade val="50000"/>
+            </a:schemeClr>
+          </a:lnRef>
+          <a:fillRef idx="1">
+            <a:schemeClr val="accent1"/>
+          </a:fillRef>
+          <a:effectRef idx="0">
+            <a:schemeClr val="accent1"/>
+          </a:effectRef>
+          <a:fontRef idx="minor">
+            <a:schemeClr val="lt1"/>
+          </a:fontRef>
+        </p:style>
+        <p:txBody>
+          <a:bodyPr rtlCol="0" anchor="ctr"/>
+          <a:lstStyle/>
+          <a:p>
+            <a:pPr algn="ctr"/>
+            <a:endParaRPr kumimoji="1" lang="ja-JP" altLang="en-US"/>
+          </a:p>
+        </p:txBody>
+      </p:sp>
+      <p:sp>
+        <p:nvSpPr>
+          <p:cNvPr id="37" name="正方形/長方形 36"/>
+          <p:cNvSpPr/>
+          <p:nvPr/>
+        </p:nvSpPr>
+        <p:spPr>
+          <a:xfrm>
+            <a:off x="9516674" y="5407331"/>
+            <a:ext cx="1069260" cy="1069260"/>
+          </a:xfrm>
+          <a:prstGeom prst="rect">
+            <a:avLst/>
+          </a:prstGeom>
+          <a:solidFill>
+            <a:schemeClr val="bg1"/>
+          </a:solidFill>
+          <a:ln>
+            <a:solidFill>
+              <a:schemeClr val="tx1"/>
+            </a:solidFill>
+          </a:ln>
+        </p:spPr>
+        <p:style>
+          <a:lnRef idx="2">
+            <a:schemeClr val="accent1">
+              <a:shade val="50000"/>
+            </a:schemeClr>
+          </a:lnRef>
+          <a:fillRef idx="1">
+            <a:schemeClr val="accent1"/>
+          </a:fillRef>
+          <a:effectRef idx="0">
+            <a:schemeClr val="accent1"/>
+          </a:effectRef>
+          <a:fontRef idx="minor">
+            <a:schemeClr val="lt1"/>
+          </a:fontRef>
+        </p:style>
+        <p:txBody>
+          <a:bodyPr rtlCol="0" anchor="ctr"/>
+          <a:lstStyle/>
+          <a:p>
+            <a:pPr algn="ctr"/>
+            <a:endParaRPr kumimoji="1" lang="ja-JP" altLang="en-US"/>
+          </a:p>
+        </p:txBody>
+      </p:sp>
       <p:pic>
         <p:nvPicPr>
-          <p:cNvPr id="45" name="図 44"/>
+          <p:cNvPr id="38" name="図 37"/>
           <p:cNvPicPr>
             <a:picLocks noChangeAspect="1"/>
           </p:cNvPicPr>
@@ -4652,7 +4892,7 @@
         <p:spPr>
           <a:xfrm>
             <a:off x="1056828" y="1268773"/>
-            <a:ext cx="725339" cy="725339"/>
+            <a:ext cx="727200" cy="727200"/>
           </a:xfrm>
           <a:prstGeom prst="rect">
             <a:avLst/>
@@ -4661,7 +4901,7 @@
       </p:pic>
       <p:pic>
         <p:nvPicPr>
-          <p:cNvPr id="46" name="図 45"/>
+          <p:cNvPr id="39" name="図 38"/>
           <p:cNvPicPr>
             <a:picLocks noChangeAspect="1"/>
           </p:cNvPicPr>
@@ -4676,7 +4916,7 @@
         <p:spPr>
           <a:xfrm>
             <a:off x="3216159" y="1268773"/>
-            <a:ext cx="725339" cy="725339"/>
+            <a:ext cx="727200" cy="727200"/>
           </a:xfrm>
           <a:prstGeom prst="rect">
             <a:avLst/>
@@ -4685,7 +4925,7 @@
       </p:pic>
       <p:pic>
         <p:nvPicPr>
-          <p:cNvPr id="47" name="図 46"/>
+          <p:cNvPr id="40" name="図 39"/>
           <p:cNvPicPr>
             <a:picLocks noChangeAspect="1"/>
           </p:cNvPicPr>
@@ -4700,7 +4940,7 @@
         <p:spPr>
           <a:xfrm>
             <a:off x="5375490" y="1268773"/>
-            <a:ext cx="725339" cy="725339"/>
+            <a:ext cx="727200" cy="727200"/>
           </a:xfrm>
           <a:prstGeom prst="rect">
             <a:avLst/>
@@ -4709,7 +4949,7 @@
       </p:pic>
       <p:pic>
         <p:nvPicPr>
-          <p:cNvPr id="48" name="図 47"/>
+          <p:cNvPr id="41" name="図 40"/>
           <p:cNvPicPr>
             <a:picLocks noChangeAspect="1"/>
           </p:cNvPicPr>
@@ -4724,7 +4964,7 @@
         <p:spPr>
           <a:xfrm>
             <a:off x="7534821" y="1268773"/>
-            <a:ext cx="725339" cy="725339"/>
+            <a:ext cx="727200" cy="727200"/>
           </a:xfrm>
           <a:prstGeom prst="rect">
             <a:avLst/>
@@ -4733,7 +4973,7 @@
       </p:pic>
       <p:pic>
         <p:nvPicPr>
-          <p:cNvPr id="49" name="図 48"/>
+          <p:cNvPr id="42" name="図 41"/>
           <p:cNvPicPr>
             <a:picLocks noChangeAspect="1"/>
           </p:cNvPicPr>
@@ -4748,7 +4988,7 @@
         <p:spPr>
           <a:xfrm>
             <a:off x="9694152" y="1268773"/>
-            <a:ext cx="725339" cy="725339"/>
+            <a:ext cx="727200" cy="727200"/>
           </a:xfrm>
           <a:prstGeom prst="rect">
             <a:avLst/>
@@ -4757,7 +4997,7 @@
       </p:pic>
       <p:pic>
         <p:nvPicPr>
-          <p:cNvPr id="50" name="図 49"/>
+          <p:cNvPr id="43" name="図 42"/>
           <p:cNvPicPr>
             <a:picLocks noChangeAspect="1"/>
           </p:cNvPicPr>
@@ -4772,253 +5012,13 @@
         <p:spPr>
           <a:xfrm>
             <a:off x="1056828" y="3427896"/>
-            <a:ext cx="725339" cy="725339"/>
+            <a:ext cx="727200" cy="727200"/>
           </a:xfrm>
           <a:prstGeom prst="rect">
             <a:avLst/>
           </a:prstGeom>
         </p:spPr>
       </p:pic>
-      <p:sp>
-        <p:nvSpPr>
-          <p:cNvPr id="33" name="正方形/長方形 32"/>
-          <p:cNvSpPr/>
-          <p:nvPr/>
-        </p:nvSpPr>
-        <p:spPr>
-          <a:xfrm>
-            <a:off x="3033159" y="5407331"/>
-            <a:ext cx="1069260" cy="1069260"/>
-          </a:xfrm>
-          <a:prstGeom prst="rect">
-            <a:avLst/>
-          </a:prstGeom>
-          <a:solidFill>
-            <a:schemeClr val="bg1"/>
-          </a:solidFill>
-          <a:ln>
-            <a:solidFill>
-              <a:schemeClr val="tx1"/>
-            </a:solidFill>
-          </a:ln>
-        </p:spPr>
-        <p:style>
-          <a:lnRef idx="2">
-            <a:schemeClr val="accent1">
-              <a:shade val="50000"/>
-            </a:schemeClr>
-          </a:lnRef>
-          <a:fillRef idx="1">
-            <a:schemeClr val="accent1"/>
-          </a:fillRef>
-          <a:effectRef idx="0">
-            <a:schemeClr val="accent1"/>
-          </a:effectRef>
-          <a:fontRef idx="minor">
-            <a:schemeClr val="lt1"/>
-          </a:fontRef>
-        </p:style>
-        <p:txBody>
-          <a:bodyPr rtlCol="0" anchor="ctr"/>
-          <a:lstStyle/>
-          <a:p>
-            <a:pPr algn="ctr"/>
-            <a:endParaRPr kumimoji="1" lang="ja-JP" altLang="en-US"/>
-          </a:p>
-        </p:txBody>
-      </p:sp>
-      <p:sp>
-        <p:nvSpPr>
-          <p:cNvPr id="34" name="正方形/長方形 33"/>
-          <p:cNvSpPr/>
-          <p:nvPr/>
-        </p:nvSpPr>
-        <p:spPr>
-          <a:xfrm>
-            <a:off x="5194330" y="5407331"/>
-            <a:ext cx="1069260" cy="1069260"/>
-          </a:xfrm>
-          <a:prstGeom prst="rect">
-            <a:avLst/>
-          </a:prstGeom>
-          <a:solidFill>
-            <a:schemeClr val="bg1"/>
-          </a:solidFill>
-          <a:ln>
-            <a:solidFill>
-              <a:schemeClr val="tx1"/>
-            </a:solidFill>
-          </a:ln>
-        </p:spPr>
-        <p:style>
-          <a:lnRef idx="2">
-            <a:schemeClr val="accent1">
-              <a:shade val="50000"/>
-            </a:schemeClr>
-          </a:lnRef>
-          <a:fillRef idx="1">
-            <a:schemeClr val="accent1"/>
-          </a:fillRef>
-          <a:effectRef idx="0">
-            <a:schemeClr val="accent1"/>
-          </a:effectRef>
-          <a:fontRef idx="minor">
-            <a:schemeClr val="lt1"/>
-          </a:fontRef>
-        </p:style>
-        <p:txBody>
-          <a:bodyPr rtlCol="0" anchor="ctr"/>
-          <a:lstStyle/>
-          <a:p>
-            <a:pPr algn="ctr"/>
-            <a:endParaRPr kumimoji="1" lang="ja-JP" altLang="en-US"/>
-          </a:p>
-        </p:txBody>
-      </p:sp>
-      <p:sp>
-        <p:nvSpPr>
-          <p:cNvPr id="35" name="正方形/長方形 34"/>
-          <p:cNvSpPr/>
-          <p:nvPr/>
-        </p:nvSpPr>
-        <p:spPr>
-          <a:xfrm>
-            <a:off x="7355502" y="5407331"/>
-            <a:ext cx="1069260" cy="1069260"/>
-          </a:xfrm>
-          <a:prstGeom prst="rect">
-            <a:avLst/>
-          </a:prstGeom>
-          <a:solidFill>
-            <a:schemeClr val="bg1"/>
-          </a:solidFill>
-          <a:ln>
-            <a:solidFill>
-              <a:schemeClr val="tx1"/>
-            </a:solidFill>
-          </a:ln>
-        </p:spPr>
-        <p:style>
-          <a:lnRef idx="2">
-            <a:schemeClr val="accent1">
-              <a:shade val="50000"/>
-            </a:schemeClr>
-          </a:lnRef>
-          <a:fillRef idx="1">
-            <a:schemeClr val="accent1"/>
-          </a:fillRef>
-          <a:effectRef idx="0">
-            <a:schemeClr val="accent1"/>
-          </a:effectRef>
-          <a:fontRef idx="minor">
-            <a:schemeClr val="lt1"/>
-          </a:fontRef>
-        </p:style>
-        <p:txBody>
-          <a:bodyPr rtlCol="0" anchor="ctr"/>
-          <a:lstStyle/>
-          <a:p>
-            <a:pPr algn="ctr"/>
-            <a:endParaRPr kumimoji="1" lang="ja-JP" altLang="en-US"/>
-          </a:p>
-        </p:txBody>
-      </p:sp>
-      <p:sp>
-        <p:nvSpPr>
-          <p:cNvPr id="36" name="正方形/長方形 35"/>
-          <p:cNvSpPr/>
-          <p:nvPr/>
-        </p:nvSpPr>
-        <p:spPr>
-          <a:xfrm>
-            <a:off x="871988" y="5407331"/>
-            <a:ext cx="1069260" cy="1069260"/>
-          </a:xfrm>
-          <a:prstGeom prst="rect">
-            <a:avLst/>
-          </a:prstGeom>
-          <a:solidFill>
-            <a:schemeClr val="bg1"/>
-          </a:solidFill>
-          <a:ln>
-            <a:solidFill>
-              <a:schemeClr val="tx1"/>
-            </a:solidFill>
-          </a:ln>
-        </p:spPr>
-        <p:style>
-          <a:lnRef idx="2">
-            <a:schemeClr val="accent1">
-              <a:shade val="50000"/>
-            </a:schemeClr>
-          </a:lnRef>
-          <a:fillRef idx="1">
-            <a:schemeClr val="accent1"/>
-          </a:fillRef>
-          <a:effectRef idx="0">
-            <a:schemeClr val="accent1"/>
-          </a:effectRef>
-          <a:fontRef idx="minor">
-            <a:schemeClr val="lt1"/>
-          </a:fontRef>
-        </p:style>
-        <p:txBody>
-          <a:bodyPr rtlCol="0" anchor="ctr"/>
-          <a:lstStyle/>
-          <a:p>
-            <a:pPr algn="ctr"/>
-            <a:endParaRPr kumimoji="1" lang="ja-JP" altLang="en-US"/>
-          </a:p>
-        </p:txBody>
-      </p:sp>
-      <p:sp>
-        <p:nvSpPr>
-          <p:cNvPr id="37" name="正方形/長方形 36"/>
-          <p:cNvSpPr/>
-          <p:nvPr/>
-        </p:nvSpPr>
-        <p:spPr>
-          <a:xfrm>
-            <a:off x="9516674" y="5407331"/>
-            <a:ext cx="1069260" cy="1069260"/>
-          </a:xfrm>
-          <a:prstGeom prst="rect">
-            <a:avLst/>
-          </a:prstGeom>
-          <a:solidFill>
-            <a:schemeClr val="bg1"/>
-          </a:solidFill>
-          <a:ln>
-            <a:solidFill>
-              <a:schemeClr val="tx1"/>
-            </a:solidFill>
-          </a:ln>
-        </p:spPr>
-        <p:style>
-          <a:lnRef idx="2">
-            <a:schemeClr val="accent1">
-              <a:shade val="50000"/>
-            </a:schemeClr>
-          </a:lnRef>
-          <a:fillRef idx="1">
-            <a:schemeClr val="accent1"/>
-          </a:fillRef>
-          <a:effectRef idx="0">
-            <a:schemeClr val="accent1"/>
-          </a:effectRef>
-          <a:fontRef idx="minor">
-            <a:schemeClr val="lt1"/>
-          </a:fontRef>
-        </p:style>
-        <p:txBody>
-          <a:bodyPr rtlCol="0" anchor="ctr"/>
-          <a:lstStyle/>
-          <a:p>
-            <a:pPr algn="ctr"/>
-            <a:endParaRPr kumimoji="1" lang="ja-JP" altLang="en-US"/>
-          </a:p>
-        </p:txBody>
-      </p:sp>
     </p:spTree>
     <p:extLst>
       <p:ext uri="{BB962C8B-B14F-4D97-AF65-F5344CB8AC3E}">
@@ -5076,7 +5076,8 @@
             </a:lightRig>
           </a:scene3d>
           <a:sp3d>
-            <a:bevelT w="139700" h="139700"/>
+            <a:bevelT w="1270000" h="889000"/>
+            <a:bevelB w="0" h="0"/>
           </a:sp3d>
         </p:spPr>
         <p:style>
@@ -5328,7 +5329,7 @@
             </a:lightRig>
           </a:scene3d>
           <a:sp3d>
-            <a:bevelT w="139700" h="139700"/>
+            <a:bevelT w="1270000" h="889000"/>
           </a:sp3d>
         </p:spPr>
         <p:style>
@@ -5612,7 +5613,7 @@
             </a:lightRig>
           </a:scene3d>
           <a:sp3d>
-            <a:bevelT w="139700" h="139700"/>
+            <a:bevelT w="1270000" h="889000"/>
           </a:sp3d>
         </p:spPr>
         <p:style>
@@ -5867,7 +5868,7 @@
             </a:lightRig>
           </a:scene3d>
           <a:sp3d>
-            <a:bevelT w="139700" h="139700"/>
+            <a:bevelT w="1270000" h="889000"/>
           </a:sp3d>
         </p:spPr>
         <p:style>
@@ -6149,7 +6150,7 @@
             </a:lightRig>
           </a:scene3d>
           <a:sp3d>
-            <a:bevelT w="139700" h="139700"/>
+            <a:bevelT w="1270000" h="889000"/>
           </a:sp3d>
         </p:spPr>
         <p:style>
@@ -6401,7 +6402,7 @@
             </a:lightRig>
           </a:scene3d>
           <a:sp3d>
-            <a:bevelT w="139700" h="139700"/>
+            <a:bevelT w="1270000" h="889000"/>
           </a:sp3d>
         </p:spPr>
         <p:style>
